--- a/doc/R shiny presentation.pptx
+++ b/doc/R shiny presentation.pptx
@@ -4103,14 +4103,7 @@
                 <a:latin typeface="Times New Roman"/>
                 <a:cs typeface="Times New Roman"/>
               </a:rPr>
-              <a:t>Help customers make better</a:t>
-            </a:r>
-            <a:r>
-              <a:rPr lang="en-US" dirty="0" smtClean="0">
-                <a:latin typeface="Times New Roman"/>
-                <a:cs typeface="Times New Roman"/>
-              </a:rPr>
-              <a:t> college placement decisions.</a:t>
+              <a:t>Help customers make better college placement decisions.</a:t>
             </a:r>
           </a:p>
           <a:p>
@@ -4294,7 +4287,15 @@
             <a:pPr lvl="1"/>
             <a:r>
               <a:rPr lang="en-US" dirty="0"/>
-              <a:t>Include data on alumni who were MA statistics program, MS computer science program and etc.</a:t>
+              <a:t>Include data on alumni who were </a:t>
+            </a:r>
+            <a:r>
+              <a:rPr lang="en-US" dirty="0" smtClean="0"/>
+              <a:t>in MA </a:t>
+            </a:r>
+            <a:r>
+              <a:rPr lang="en-US" dirty="0"/>
+              <a:t>statistics program, MS computer science program and etc.</a:t>
             </a:r>
           </a:p>
           <a:p>
@@ -4412,7 +4413,9 @@
           <a:p>
             <a:pPr algn="ctr"/>
             <a:r>
-              <a:rPr lang="en-US" sz="8000" i="1" dirty="0" smtClean="0"/>
+              <a:rPr lang="en-US" sz="8000" i="1" dirty="0" smtClean="0">
+                <a:hlinkClick r:id="rId2"/>
+              </a:rPr>
               <a:t>Demo</a:t>
             </a:r>
             <a:endParaRPr lang="en-US" i="1" dirty="0"/>

--- a/doc/R shiny presentation.pptx
+++ b/doc/R shiny presentation.pptx
@@ -8,7 +8,7 @@
     <p:notesMasterId r:id="rId6"/>
   </p:notesMasterIdLst>
   <p:sldIdLst>
-    <p:sldId id="256" r:id="rId2"/>
+    <p:sldId id="260" r:id="rId2"/>
     <p:sldId id="257" r:id="rId3"/>
     <p:sldId id="258" r:id="rId4"/>
     <p:sldId id="259" r:id="rId5"/>
@@ -110,6 +110,22 @@
       </a:defRPr>
     </a:lvl9pPr>
   </p:defaultTextStyle>
+  <p:extLst>
+    <p:ext uri="{EFAFB233-063F-42B5-8137-9DF3F51BA10A}">
+      <p15:sldGuideLst xmlns:p15="http://schemas.microsoft.com/office/powerpoint/2012/main">
+        <p15:guide id="1" orient="horz" pos="2160">
+          <p15:clr>
+            <a:srgbClr val="A4A3A4"/>
+          </p15:clr>
+        </p15:guide>
+        <p15:guide id="2" pos="2880">
+          <p15:clr>
+            <a:srgbClr val="A4A3A4"/>
+          </p15:clr>
+        </p15:guide>
+      </p15:sldGuideLst>
+    </p:ext>
+  </p:extLst>
 </p:presentation>
 </file>
 
@@ -195,7 +211,7 @@
           <a:p>
             <a:fld id="{0BD105A1-2CE7-294B-BE19-53F804559385}" type="datetimeFigureOut">
               <a:rPr lang="en-US" smtClean="0"/>
-              <a:t>2/21/18</a:t>
+              <a:t>2/21/2018</a:t>
             </a:fld>
             <a:endParaRPr lang="en-US"/>
           </a:p>
@@ -259,38 +275,37 @@
           <a:p>
             <a:pPr lvl="0"/>
             <a:r>
-              <a:rPr lang="en-US" smtClean="0"/>
+              <a:rPr lang="en-US"/>
               <a:t>Click to edit Master text styles</a:t>
             </a:r>
           </a:p>
           <a:p>
             <a:pPr lvl="1"/>
             <a:r>
-              <a:rPr lang="en-US" smtClean="0"/>
+              <a:rPr lang="en-US"/>
               <a:t>Second level</a:t>
             </a:r>
           </a:p>
           <a:p>
             <a:pPr lvl="2"/>
             <a:r>
-              <a:rPr lang="en-US" smtClean="0"/>
+              <a:rPr lang="en-US"/>
               <a:t>Third level</a:t>
             </a:r>
           </a:p>
           <a:p>
             <a:pPr lvl="3"/>
             <a:r>
-              <a:rPr lang="en-US" smtClean="0"/>
+              <a:rPr lang="en-US"/>
               <a:t>Fourth level</a:t>
             </a:r>
           </a:p>
           <a:p>
             <a:pPr lvl="4"/>
             <a:r>
-              <a:rPr lang="en-US" smtClean="0"/>
+              <a:rPr lang="en-US"/>
               <a:t>Fifth level</a:t>
             </a:r>
-            <a:endParaRPr lang="en-US"/>
           </a:p>
         </p:txBody>
       </p:sp>
@@ -463,90 +478,6 @@
 </p:notesMaster>
 </file>
 
-<file path=ppt/notesSlides/notesSlide1.xml><?xml version="1.0" encoding="utf-8"?>
-<p:notes xmlns:a="http://schemas.openxmlformats.org/drawingml/2006/main" xmlns:r="http://schemas.openxmlformats.org/officeDocument/2006/relationships" xmlns:p="http://schemas.openxmlformats.org/presentationml/2006/main">
-  <p:cSld>
-    <p:spTree>
-      <p:nvGrpSpPr>
-        <p:cNvPr id="1" name=""/>
-        <p:cNvGrpSpPr/>
-        <p:nvPr/>
-      </p:nvGrpSpPr>
-      <p:grpSpPr>
-        <a:xfrm>
-          <a:off x="0" y="0"/>
-          <a:ext cx="0" cy="0"/>
-          <a:chOff x="0" y="0"/>
-          <a:chExt cx="0" cy="0"/>
-        </a:xfrm>
-      </p:grpSpPr>
-      <p:sp>
-        <p:nvSpPr>
-          <p:cNvPr id="2" name="Slide Image Placeholder 1"/>
-          <p:cNvSpPr>
-            <a:spLocks noGrp="1" noRot="1" noChangeAspect="1"/>
-          </p:cNvSpPr>
-          <p:nvPr>
-            <p:ph type="sldImg"/>
-          </p:nvPr>
-        </p:nvSpPr>
-        <p:spPr/>
-      </p:sp>
-      <p:sp>
-        <p:nvSpPr>
-          <p:cNvPr id="3" name="Notes Placeholder 2"/>
-          <p:cNvSpPr>
-            <a:spLocks noGrp="1"/>
-          </p:cNvSpPr>
-          <p:nvPr>
-            <p:ph type="body" idx="1"/>
-          </p:nvPr>
-        </p:nvSpPr>
-        <p:spPr/>
-        <p:txBody>
-          <a:bodyPr/>
-          <a:lstStyle/>
-          <a:p>
-            <a:endParaRPr lang="en-US" dirty="0"/>
-          </a:p>
-        </p:txBody>
-      </p:sp>
-      <p:sp>
-        <p:nvSpPr>
-          <p:cNvPr id="4" name="Slide Number Placeholder 3"/>
-          <p:cNvSpPr>
-            <a:spLocks noGrp="1"/>
-          </p:cNvSpPr>
-          <p:nvPr>
-            <p:ph type="sldNum" sz="quarter" idx="10"/>
-          </p:nvPr>
-        </p:nvSpPr>
-        <p:spPr/>
-        <p:txBody>
-          <a:bodyPr/>
-          <a:lstStyle/>
-          <a:p>
-            <a:fld id="{05D0ACAE-204B-CA4B-8839-9F988DA454EA}" type="slidenum">
-              <a:rPr lang="en-US" smtClean="0"/>
-              <a:t>1</a:t>
-            </a:fld>
-            <a:endParaRPr lang="en-US"/>
-          </a:p>
-        </p:txBody>
-      </p:sp>
-    </p:spTree>
-    <p:extLst>
-      <p:ext uri="{BB962C8B-B14F-4D97-AF65-F5344CB8AC3E}">
-        <p14:creationId xmlns:p14="http://schemas.microsoft.com/office/powerpoint/2010/main" val="3723731292"/>
-      </p:ext>
-    </p:extLst>
-  </p:cSld>
-  <p:clrMapOvr>
-    <a:masterClrMapping/>
-  </p:clrMapOvr>
-</p:notes>
-</file>
-
 <file path=ppt/slideLayouts/slideLayout1.xml><?xml version="1.0" encoding="utf-8"?>
 <p:sldLayout xmlns:a="http://schemas.openxmlformats.org/drawingml/2006/main" xmlns:r="http://schemas.openxmlformats.org/officeDocument/2006/relationships" xmlns:p="http://schemas.openxmlformats.org/presentationml/2006/main" type="title" preserve="1">
   <p:cSld name="Title Slide">
@@ -591,7 +522,7 @@
           </a:lstStyle>
           <a:p>
             <a:r>
-              <a:rPr lang="en-US" smtClean="0"/>
+              <a:rPr lang="en-US"/>
               <a:t>Click to edit Master title style</a:t>
             </a:r>
             <a:endParaRPr lang="en-US" dirty="0"/>
@@ -711,7 +642,7 @@
           </a:lstStyle>
           <a:p>
             <a:r>
-              <a:rPr lang="en-US" smtClean="0"/>
+              <a:rPr lang="en-US"/>
               <a:t>Click to edit Master subtitle style</a:t>
             </a:r>
             <a:endParaRPr lang="en-US" dirty="0"/>
@@ -735,7 +666,7 @@
           <a:p>
             <a:fld id="{C8A432C8-69A7-458B-9684-2BFA64B31948}" type="datetime2">
               <a:rPr lang="en-US" smtClean="0"/>
-              <a:t>Wednesday, February 21, 18</a:t>
+              <a:t>Wednesday, February 21, 2018</a:t>
             </a:fld>
             <a:endParaRPr lang="en-US"/>
           </a:p>
@@ -861,10 +792,9 @@
           <a:lstStyle/>
           <a:p>
             <a:r>
-              <a:rPr lang="en-US" smtClean="0"/>
+              <a:rPr lang="en-US"/>
               <a:t>Click to edit Master title style</a:t>
             </a:r>
-            <a:endParaRPr lang="en-US"/>
           </a:p>
         </p:txBody>
       </p:sp>
@@ -885,38 +815,37 @@
           <a:p>
             <a:pPr lvl="0"/>
             <a:r>
-              <a:rPr lang="en-US" smtClean="0"/>
+              <a:rPr lang="en-US"/>
               <a:t>Click to edit Master text styles</a:t>
             </a:r>
           </a:p>
           <a:p>
             <a:pPr lvl="1"/>
             <a:r>
-              <a:rPr lang="en-US" smtClean="0"/>
+              <a:rPr lang="en-US"/>
               <a:t>Second level</a:t>
             </a:r>
           </a:p>
           <a:p>
             <a:pPr lvl="2"/>
             <a:r>
-              <a:rPr lang="en-US" smtClean="0"/>
+              <a:rPr lang="en-US"/>
               <a:t>Third level</a:t>
             </a:r>
           </a:p>
           <a:p>
             <a:pPr lvl="3"/>
             <a:r>
-              <a:rPr lang="en-US" smtClean="0"/>
+              <a:rPr lang="en-US"/>
               <a:t>Fourth level</a:t>
             </a:r>
           </a:p>
           <a:p>
             <a:pPr lvl="4"/>
             <a:r>
-              <a:rPr lang="en-US" smtClean="0"/>
+              <a:rPr lang="en-US"/>
               <a:t>Fifth level</a:t>
             </a:r>
-            <a:endParaRPr lang="en-US"/>
           </a:p>
         </p:txBody>
       </p:sp>
@@ -937,7 +866,7 @@
           <a:p>
             <a:fld id="{8CC057FC-95B6-4D89-AFDA-ABA33EE921E5}" type="datetime2">
               <a:rPr lang="en-US" smtClean="0"/>
-              <a:t>Wednesday, February 21, 18</a:t>
+              <a:t>Wednesday, February 21, 2018</a:t>
             </a:fld>
             <a:endParaRPr lang="en-US"/>
           </a:p>
@@ -1033,7 +962,7 @@
           <a:lstStyle/>
           <a:p>
             <a:r>
-              <a:rPr lang="en-US" smtClean="0"/>
+              <a:rPr lang="en-US"/>
               <a:t>Click to edit Master title style</a:t>
             </a:r>
             <a:endParaRPr lang="en-US" dirty="0"/>
@@ -1062,35 +991,35 @@
           <a:p>
             <a:pPr lvl="0"/>
             <a:r>
-              <a:rPr lang="en-US" smtClean="0"/>
+              <a:rPr lang="en-US"/>
               <a:t>Click to edit Master text styles</a:t>
             </a:r>
           </a:p>
           <a:p>
             <a:pPr lvl="1"/>
             <a:r>
-              <a:rPr lang="en-US" smtClean="0"/>
+              <a:rPr lang="en-US"/>
               <a:t>Second level</a:t>
             </a:r>
           </a:p>
           <a:p>
             <a:pPr lvl="2"/>
             <a:r>
-              <a:rPr lang="en-US" smtClean="0"/>
+              <a:rPr lang="en-US"/>
               <a:t>Third level</a:t>
             </a:r>
           </a:p>
           <a:p>
             <a:pPr lvl="3"/>
             <a:r>
-              <a:rPr lang="en-US" smtClean="0"/>
+              <a:rPr lang="en-US"/>
               <a:t>Fourth level</a:t>
             </a:r>
           </a:p>
           <a:p>
             <a:pPr lvl="4"/>
             <a:r>
-              <a:rPr lang="en-US" smtClean="0"/>
+              <a:rPr lang="en-US"/>
               <a:t>Fifth level</a:t>
             </a:r>
             <a:endParaRPr lang="en-US" dirty="0"/>
@@ -1114,7 +1043,7 @@
           <a:p>
             <a:fld id="{EC4549AC-EB31-477F-92A9-B1988E232878}" type="datetime2">
               <a:rPr lang="en-US" smtClean="0"/>
-              <a:t>Wednesday, February 21, 18</a:t>
+              <a:t>Wednesday, February 21, 2018</a:t>
             </a:fld>
             <a:endParaRPr lang="en-US"/>
           </a:p>
@@ -1205,10 +1134,9 @@
           <a:lstStyle/>
           <a:p>
             <a:r>
-              <a:rPr lang="en-US" smtClean="0"/>
+              <a:rPr lang="en-US"/>
               <a:t>Click to edit Master title style</a:t>
             </a:r>
-            <a:endParaRPr lang="en-US"/>
           </a:p>
         </p:txBody>
       </p:sp>
@@ -1229,38 +1157,37 @@
           <a:p>
             <a:pPr lvl="0"/>
             <a:r>
-              <a:rPr lang="en-US" smtClean="0"/>
+              <a:rPr lang="en-US"/>
               <a:t>Click to edit Master text styles</a:t>
             </a:r>
           </a:p>
           <a:p>
             <a:pPr lvl="1"/>
             <a:r>
-              <a:rPr lang="en-US" smtClean="0"/>
+              <a:rPr lang="en-US"/>
               <a:t>Second level</a:t>
             </a:r>
           </a:p>
           <a:p>
             <a:pPr lvl="2"/>
             <a:r>
-              <a:rPr lang="en-US" smtClean="0"/>
+              <a:rPr lang="en-US"/>
               <a:t>Third level</a:t>
             </a:r>
           </a:p>
           <a:p>
             <a:pPr lvl="3"/>
             <a:r>
-              <a:rPr lang="en-US" smtClean="0"/>
+              <a:rPr lang="en-US"/>
               <a:t>Fourth level</a:t>
             </a:r>
           </a:p>
           <a:p>
             <a:pPr lvl="4"/>
             <a:r>
-              <a:rPr lang="en-US" smtClean="0"/>
+              <a:rPr lang="en-US"/>
               <a:t>Fifth level</a:t>
             </a:r>
-            <a:endParaRPr lang="en-US"/>
           </a:p>
         </p:txBody>
       </p:sp>
@@ -1281,7 +1208,7 @@
           <a:p>
             <a:fld id="{6396A3A3-94A6-4E5B-AF39-173ACA3E61CC}" type="datetime2">
               <a:rPr lang="en-US" smtClean="0"/>
-              <a:t>Wednesday, February 21, 18</a:t>
+              <a:t>Wednesday, February 21, 2018</a:t>
             </a:fld>
             <a:endParaRPr lang="en-US"/>
           </a:p>
@@ -1388,7 +1315,7 @@
           </a:lstStyle>
           <a:p>
             <a:r>
-              <a:rPr lang="en-US" smtClean="0"/>
+              <a:rPr lang="en-US"/>
               <a:t>Click to edit Master title style</a:t>
             </a:r>
             <a:endParaRPr lang="en-US" dirty="0"/>
@@ -1508,7 +1435,7 @@
           <a:p>
             <a:pPr lvl="0"/>
             <a:r>
-              <a:rPr lang="en-US" smtClean="0"/>
+              <a:rPr lang="en-US"/>
               <a:t>Click to edit Master text styles</a:t>
             </a:r>
           </a:p>
@@ -1531,7 +1458,7 @@
           <a:p>
             <a:fld id="{9933D019-A32C-4EAD-B8E6-DBDA699692FD}" type="datetime2">
               <a:rPr lang="en-US" smtClean="0"/>
-              <a:t>Wednesday, February 21, 18</a:t>
+              <a:t>Wednesday, February 21, 2018</a:t>
             </a:fld>
             <a:endParaRPr lang="en-US"/>
           </a:p>
@@ -1657,10 +1584,9 @@
           <a:lstStyle/>
           <a:p>
             <a:r>
-              <a:rPr lang="en-US" smtClean="0"/>
+              <a:rPr lang="en-US"/>
               <a:t>Click to edit Master title style</a:t>
             </a:r>
-            <a:endParaRPr lang="en-US"/>
           </a:p>
         </p:txBody>
       </p:sp>
@@ -1714,35 +1640,35 @@
           <a:p>
             <a:pPr lvl="0"/>
             <a:r>
-              <a:rPr lang="en-US" smtClean="0"/>
+              <a:rPr lang="en-US"/>
               <a:t>Click to edit Master text styles</a:t>
             </a:r>
           </a:p>
           <a:p>
             <a:pPr lvl="1"/>
             <a:r>
-              <a:rPr lang="en-US" smtClean="0"/>
+              <a:rPr lang="en-US"/>
               <a:t>Second level</a:t>
             </a:r>
           </a:p>
           <a:p>
             <a:pPr lvl="2"/>
             <a:r>
-              <a:rPr lang="en-US" smtClean="0"/>
+              <a:rPr lang="en-US"/>
               <a:t>Third level</a:t>
             </a:r>
           </a:p>
           <a:p>
             <a:pPr lvl="3"/>
             <a:r>
-              <a:rPr lang="en-US" smtClean="0"/>
+              <a:rPr lang="en-US"/>
               <a:t>Fourth level</a:t>
             </a:r>
           </a:p>
           <a:p>
             <a:pPr lvl="4"/>
             <a:r>
-              <a:rPr lang="en-US" smtClean="0"/>
+              <a:rPr lang="en-US"/>
               <a:t>Fifth level</a:t>
             </a:r>
             <a:endParaRPr lang="en-US" dirty="0"/>
@@ -1799,35 +1725,35 @@
           <a:p>
             <a:pPr lvl="0"/>
             <a:r>
-              <a:rPr lang="en-US" smtClean="0"/>
+              <a:rPr lang="en-US"/>
               <a:t>Click to edit Master text styles</a:t>
             </a:r>
           </a:p>
           <a:p>
             <a:pPr lvl="1"/>
             <a:r>
-              <a:rPr lang="en-US" smtClean="0"/>
+              <a:rPr lang="en-US"/>
               <a:t>Second level</a:t>
             </a:r>
           </a:p>
           <a:p>
             <a:pPr lvl="2"/>
             <a:r>
-              <a:rPr lang="en-US" smtClean="0"/>
+              <a:rPr lang="en-US"/>
               <a:t>Third level</a:t>
             </a:r>
           </a:p>
           <a:p>
             <a:pPr lvl="3"/>
             <a:r>
-              <a:rPr lang="en-US" smtClean="0"/>
+              <a:rPr lang="en-US"/>
               <a:t>Fourth level</a:t>
             </a:r>
           </a:p>
           <a:p>
             <a:pPr lvl="4"/>
             <a:r>
-              <a:rPr lang="en-US" smtClean="0"/>
+              <a:rPr lang="en-US"/>
               <a:t>Fifth level</a:t>
             </a:r>
             <a:endParaRPr lang="en-US" dirty="0"/>
@@ -1851,7 +1777,7 @@
           <a:p>
             <a:fld id="{CCEBA98F-560C-4997-81C4-81D4D9187EAB}" type="datetime2">
               <a:rPr lang="en-US" smtClean="0"/>
-              <a:t>Wednesday, February 21, 18</a:t>
+              <a:t>Wednesday, February 21, 2018</a:t>
             </a:fld>
             <a:endParaRPr lang="en-US"/>
           </a:p>
@@ -1946,7 +1872,7 @@
           </a:lstStyle>
           <a:p>
             <a:r>
-              <a:rPr lang="en-US" smtClean="0"/>
+              <a:rPr lang="en-US"/>
               <a:t>Click to edit Master title style</a:t>
             </a:r>
             <a:endParaRPr lang="en-US" dirty="0"/>
@@ -2035,7 +1961,7 @@
           <a:p>
             <a:pPr lvl="0"/>
             <a:r>
-              <a:rPr lang="en-US" smtClean="0"/>
+              <a:rPr lang="en-US"/>
               <a:t>Click to edit Master text styles</a:t>
             </a:r>
           </a:p>
@@ -2091,35 +2017,35 @@
           <a:p>
             <a:pPr lvl="0"/>
             <a:r>
-              <a:rPr lang="en-US" smtClean="0"/>
+              <a:rPr lang="en-US"/>
               <a:t>Click to edit Master text styles</a:t>
             </a:r>
           </a:p>
           <a:p>
             <a:pPr lvl="1"/>
             <a:r>
-              <a:rPr lang="en-US" smtClean="0"/>
+              <a:rPr lang="en-US"/>
               <a:t>Second level</a:t>
             </a:r>
           </a:p>
           <a:p>
             <a:pPr lvl="2"/>
             <a:r>
-              <a:rPr lang="en-US" smtClean="0"/>
+              <a:rPr lang="en-US"/>
               <a:t>Third level</a:t>
             </a:r>
           </a:p>
           <a:p>
             <a:pPr lvl="3"/>
             <a:r>
-              <a:rPr lang="en-US" smtClean="0"/>
+              <a:rPr lang="en-US"/>
               <a:t>Fourth level</a:t>
             </a:r>
           </a:p>
           <a:p>
             <a:pPr lvl="4"/>
             <a:r>
-              <a:rPr lang="en-US" smtClean="0"/>
+              <a:rPr lang="en-US"/>
               <a:t>Fifth level</a:t>
             </a:r>
             <a:endParaRPr lang="en-US" dirty="0"/>
@@ -2211,7 +2137,7 @@
           <a:p>
             <a:pPr lvl="0"/>
             <a:r>
-              <a:rPr lang="en-US" smtClean="0"/>
+              <a:rPr lang="en-US"/>
               <a:t>Click to edit Master text styles</a:t>
             </a:r>
           </a:p>
@@ -2267,35 +2193,35 @@
           <a:p>
             <a:pPr lvl="0"/>
             <a:r>
-              <a:rPr lang="en-US" smtClean="0"/>
+              <a:rPr lang="en-US"/>
               <a:t>Click to edit Master text styles</a:t>
             </a:r>
           </a:p>
           <a:p>
             <a:pPr lvl="1"/>
             <a:r>
-              <a:rPr lang="en-US" smtClean="0"/>
+              <a:rPr lang="en-US"/>
               <a:t>Second level</a:t>
             </a:r>
           </a:p>
           <a:p>
             <a:pPr lvl="2"/>
             <a:r>
-              <a:rPr lang="en-US" smtClean="0"/>
+              <a:rPr lang="en-US"/>
               <a:t>Third level</a:t>
             </a:r>
           </a:p>
           <a:p>
             <a:pPr lvl="3"/>
             <a:r>
-              <a:rPr lang="en-US" smtClean="0"/>
+              <a:rPr lang="en-US"/>
               <a:t>Fourth level</a:t>
             </a:r>
           </a:p>
           <a:p>
             <a:pPr lvl="4"/>
             <a:r>
-              <a:rPr lang="en-US" smtClean="0"/>
+              <a:rPr lang="en-US"/>
               <a:t>Fifth level</a:t>
             </a:r>
             <a:endParaRPr lang="en-US" dirty="0"/>
@@ -2319,7 +2245,7 @@
           <a:p>
             <a:fld id="{150972B2-CA5C-437D-87D0-8081271A9E4B}" type="datetime2">
               <a:rPr lang="en-US" smtClean="0"/>
-              <a:t>Wednesday, February 21, 18</a:t>
+              <a:t>Wednesday, February 21, 2018</a:t>
             </a:fld>
             <a:endParaRPr lang="en-US"/>
           </a:p>
@@ -2445,10 +2371,9 @@
           <a:lstStyle/>
           <a:p>
             <a:r>
-              <a:rPr lang="en-US" smtClean="0"/>
+              <a:rPr lang="en-US"/>
               <a:t>Click to edit Master title style</a:t>
             </a:r>
-            <a:endParaRPr lang="en-US"/>
           </a:p>
         </p:txBody>
       </p:sp>
@@ -2469,7 +2394,7 @@
           <a:p>
             <a:fld id="{79CD4847-11EF-4466-A8AD-85CDB7B49118}" type="datetime2">
               <a:rPr lang="en-US" smtClean="0"/>
-              <a:t>Wednesday, February 21, 18</a:t>
+              <a:t>Wednesday, February 21, 2018</a:t>
             </a:fld>
             <a:endParaRPr lang="en-US"/>
           </a:p>
@@ -2561,7 +2486,7 @@
           <a:p>
             <a:fld id="{F168457A-3AB9-4880-8A0C-9F8524491207}" type="datetime2">
               <a:rPr lang="en-US" smtClean="0"/>
-              <a:t>Wednesday, February 21, 18</a:t>
+              <a:t>Wednesday, February 21, 2018</a:t>
             </a:fld>
             <a:endParaRPr lang="en-US"/>
           </a:p>
@@ -2663,7 +2588,7 @@
           </a:lstStyle>
           <a:p>
             <a:r>
-              <a:rPr lang="en-US" smtClean="0"/>
+              <a:rPr lang="en-US"/>
               <a:t>Click to edit Master title style</a:t>
             </a:r>
             <a:endParaRPr lang="en-US" dirty="0"/>
@@ -2720,35 +2645,35 @@
           <a:p>
             <a:pPr lvl="0"/>
             <a:r>
-              <a:rPr lang="en-US" smtClean="0"/>
+              <a:rPr lang="en-US"/>
               <a:t>Click to edit Master text styles</a:t>
             </a:r>
           </a:p>
           <a:p>
             <a:pPr lvl="1"/>
             <a:r>
-              <a:rPr lang="en-US" smtClean="0"/>
+              <a:rPr lang="en-US"/>
               <a:t>Second level</a:t>
             </a:r>
           </a:p>
           <a:p>
             <a:pPr lvl="2"/>
             <a:r>
-              <a:rPr lang="en-US" smtClean="0"/>
+              <a:rPr lang="en-US"/>
               <a:t>Third level</a:t>
             </a:r>
           </a:p>
           <a:p>
             <a:pPr lvl="3"/>
             <a:r>
-              <a:rPr lang="en-US" smtClean="0"/>
+              <a:rPr lang="en-US"/>
               <a:t>Fourth level</a:t>
             </a:r>
           </a:p>
           <a:p>
             <a:pPr lvl="4"/>
             <a:r>
-              <a:rPr lang="en-US" smtClean="0"/>
+              <a:rPr lang="en-US"/>
               <a:t>Fifth level</a:t>
             </a:r>
             <a:endParaRPr lang="en-US" dirty="0"/>
@@ -2814,7 +2739,7 @@
           <a:p>
             <a:pPr lvl="0"/>
             <a:r>
-              <a:rPr lang="en-US" smtClean="0"/>
+              <a:rPr lang="en-US"/>
               <a:t>Click to edit Master text styles</a:t>
             </a:r>
           </a:p>
@@ -2837,7 +2762,7 @@
           <a:p>
             <a:fld id="{3FE976D3-5B7F-4300-ABED-C91F1B2AE209}" type="datetime2">
               <a:rPr lang="en-US" smtClean="0"/>
-              <a:t>Wednesday, February 21, 18</a:t>
+              <a:t>Wednesday, February 21, 2018</a:t>
             </a:fld>
             <a:endParaRPr lang="en-US"/>
           </a:p>
@@ -2974,7 +2899,7 @@
           </a:lstStyle>
           <a:p>
             <a:r>
-              <a:rPr lang="en-US" smtClean="0"/>
+              <a:rPr lang="en-US"/>
               <a:t>Click to edit Master title style</a:t>
             </a:r>
             <a:endParaRPr lang="en-US" dirty="0"/>
@@ -3055,7 +2980,7 @@
           </a:lstStyle>
           <a:p>
             <a:r>
-              <a:rPr lang="en-US" smtClean="0"/>
+              <a:rPr lang="en-US"/>
               <a:t>Drag picture to placeholder or click icon to add</a:t>
             </a:r>
             <a:endParaRPr lang="en-US" dirty="0"/>
@@ -3121,7 +3046,7 @@
           <a:p>
             <a:pPr lvl="0"/>
             <a:r>
-              <a:rPr lang="en-US" smtClean="0"/>
+              <a:rPr lang="en-US"/>
               <a:t>Click to edit Master text styles</a:t>
             </a:r>
           </a:p>
@@ -3144,7 +3069,7 @@
           <a:p>
             <a:fld id="{EBDC1E59-17DD-41CE-97CA-624A472382D4}" type="datetime2">
               <a:rPr lang="en-US" smtClean="0"/>
-              <a:t>Wednesday, February 21, 18</a:t>
+              <a:t>Wednesday, February 21, 2018</a:t>
             </a:fld>
             <a:endParaRPr lang="en-US"/>
           </a:p>
@@ -3296,7 +3221,7 @@
           <a:lstStyle/>
           <a:p>
             <a:r>
-              <a:rPr lang="en-US" smtClean="0"/>
+              <a:rPr lang="en-US"/>
               <a:t>Click to edit Master title style</a:t>
             </a:r>
             <a:endParaRPr lang="en-US" dirty="0"/>
@@ -3330,35 +3255,35 @@
           <a:p>
             <a:pPr lvl="0"/>
             <a:r>
-              <a:rPr lang="en-US" smtClean="0"/>
+              <a:rPr lang="en-US"/>
               <a:t>Click to edit Master text styles</a:t>
             </a:r>
           </a:p>
           <a:p>
             <a:pPr lvl="1"/>
             <a:r>
-              <a:rPr lang="en-US" smtClean="0"/>
+              <a:rPr lang="en-US"/>
               <a:t>Second level</a:t>
             </a:r>
           </a:p>
           <a:p>
             <a:pPr lvl="2"/>
             <a:r>
-              <a:rPr lang="en-US" smtClean="0"/>
+              <a:rPr lang="en-US"/>
               <a:t>Third level</a:t>
             </a:r>
           </a:p>
           <a:p>
             <a:pPr lvl="3"/>
             <a:r>
-              <a:rPr lang="en-US" smtClean="0"/>
+              <a:rPr lang="en-US"/>
               <a:t>Fourth level</a:t>
             </a:r>
           </a:p>
           <a:p>
             <a:pPr lvl="4"/>
             <a:r>
-              <a:rPr lang="en-US" smtClean="0"/>
+              <a:rPr lang="en-US"/>
               <a:t>Fifth level</a:t>
             </a:r>
             <a:endParaRPr lang="en-US" dirty="0"/>
@@ -3444,7 +3369,7 @@
           <a:p>
             <a:fld id="{A80CB818-7379-467D-8E76-EF9D9074A26C}" type="datetime2">
               <a:rPr lang="en-US" smtClean="0"/>
-              <a:t>Wednesday, February 21, 18</a:t>
+              <a:t>Wednesday, February 21, 2018</a:t>
             </a:fld>
             <a:endParaRPr lang="en-US" dirty="0"/>
           </a:p>
@@ -3844,121 +3769,486 @@
           <a:chExt cx="0" cy="0"/>
         </a:xfrm>
       </p:grpSpPr>
-      <p:sp>
-        <p:nvSpPr>
-          <p:cNvPr id="2" name="Title 1"/>
-          <p:cNvSpPr>
-            <a:spLocks noGrp="1"/>
-          </p:cNvSpPr>
-          <p:nvPr>
-            <p:ph type="ctrTitle"/>
-          </p:nvPr>
-        </p:nvSpPr>
+      <p:pic>
+        <p:nvPicPr>
+          <p:cNvPr id="5" name="Picture 4" descr="Graduates-header.jpg"/>
+          <p:cNvPicPr>
+            <a:picLocks noChangeAspect="1"/>
+          </p:cNvPicPr>
+          <p:nvPr/>
+        </p:nvPicPr>
+        <p:blipFill rotWithShape="1">
+          <a:blip r:embed="rId2" cstate="email">
+            <a:extLst>
+              <a:ext uri="{28A0092B-C50C-407E-A947-70E740481C1C}">
+                <a14:useLocalDpi xmlns:a14="http://schemas.microsoft.com/office/drawing/2010/main" val="0"/>
+              </a:ext>
+            </a:extLst>
+          </a:blip>
+          <a:srcRect b="21027"/>
+          <a:stretch/>
+        </p:blipFill>
         <p:spPr>
           <a:xfrm>
-            <a:off x="382515" y="856773"/>
-            <a:ext cx="8522414" cy="2396155"/>
+            <a:off x="0" y="0"/>
+            <a:ext cx="9144001" cy="5161422"/>
           </a:xfrm>
+          <a:prstGeom prst="rect">
+            <a:avLst/>
+          </a:prstGeom>
         </p:spPr>
-        <p:txBody>
-          <a:bodyPr/>
-          <a:lstStyle/>
-          <a:p>
-            <a:r>
-              <a:rPr lang="en-US" sz="4400" dirty="0" smtClean="0"/>
-              <a:t>W</a:t>
-            </a:r>
-            <a:r>
-              <a:rPr lang="en-US" sz="4800" dirty="0" smtClean="0"/>
-              <a:t>here did alumni go and where can we find a job</a:t>
-            </a:r>
-            <a:endParaRPr lang="en-US" sz="4800" dirty="0"/>
-          </a:p>
-        </p:txBody>
-      </p:sp>
-      <p:sp>
-        <p:nvSpPr>
-          <p:cNvPr id="3" name="Subtitle 2"/>
-          <p:cNvSpPr>
-            <a:spLocks noGrp="1"/>
-          </p:cNvSpPr>
-          <p:nvPr>
-            <p:ph type="subTitle" idx="1"/>
-          </p:nvPr>
+      </p:pic>
+      <p:sp>
+        <p:nvSpPr>
+          <p:cNvPr id="6" name="Title 1"/>
+          <p:cNvSpPr txBox="1">
+            <a:spLocks/>
+          </p:cNvSpPr>
+          <p:nvPr/>
         </p:nvSpPr>
         <p:spPr>
           <a:xfrm>
-            <a:off x="685799" y="3505200"/>
-            <a:ext cx="7270495" cy="1752600"/>
+            <a:off x="-2" y="1"/>
+            <a:ext cx="9144001" cy="1146982"/>
           </a:xfrm>
+          <a:prstGeom prst="rect">
+            <a:avLst/>
+          </a:prstGeom>
+          <a:solidFill>
+            <a:schemeClr val="bg1">
+              <a:lumMod val="50000"/>
+              <a:alpha val="68000"/>
+            </a:schemeClr>
+          </a:solidFill>
+          <a:ln>
+            <a:noFill/>
+          </a:ln>
         </p:spPr>
         <p:txBody>
-          <a:bodyPr/>
-          <a:lstStyle/>
-          <a:p>
-            <a:r>
-              <a:rPr lang="en-US" dirty="0" smtClean="0"/>
-              <a:t>Group Member: Leo Lam, </a:t>
-            </a:r>
-            <a:r>
-              <a:rPr lang="en-US" dirty="0" err="1" smtClean="0"/>
+          <a:bodyPr vert="horz" lIns="91440" tIns="45720" rIns="91440" bIns="45720" rtlCol="0" anchor="ctr">
+            <a:normAutofit/>
+          </a:bodyPr>
+          <a:lstStyle>
+            <a:lvl1pPr algn="l" defTabSz="914400" rtl="0" eaLnBrk="1" latinLnBrk="0" hangingPunct="1">
+              <a:spcBef>
+                <a:spcPct val="0"/>
+              </a:spcBef>
+              <a:buNone/>
+              <a:defRPr sz="4000" kern="1200" spc="-100" baseline="0">
+                <a:solidFill>
+                  <a:schemeClr val="tx2"/>
+                </a:solidFill>
+                <a:latin typeface="+mj-lt"/>
+                <a:ea typeface="+mj-ea"/>
+                <a:cs typeface="+mj-cs"/>
+              </a:defRPr>
+            </a:lvl1pPr>
+          </a:lstStyle>
+          <a:p>
+            <a:r>
+              <a:rPr lang="en-US" sz="4400" b="1" dirty="0">
+                <a:solidFill>
+                  <a:schemeClr val="bg1"/>
+                </a:solidFill>
+                <a:latin typeface="Bangla Sangam MN"/>
+                <a:cs typeface="Bangla Sangam MN"/>
+              </a:rPr>
+              <a:t>W</a:t>
+            </a:r>
+            <a:r>
+              <a:rPr lang="en-US" sz="4800" b="1" dirty="0">
+                <a:solidFill>
+                  <a:schemeClr val="bg1"/>
+                </a:solidFill>
+                <a:latin typeface="Bangla Sangam MN"/>
+                <a:cs typeface="Bangla Sangam MN"/>
+              </a:rPr>
+              <a:t>here Are Our Alumni ?</a:t>
+            </a:r>
+          </a:p>
+        </p:txBody>
+      </p:sp>
+      <p:sp>
+        <p:nvSpPr>
+          <p:cNvPr id="7" name="Subtitle 2"/>
+          <p:cNvSpPr txBox="1">
+            <a:spLocks/>
+          </p:cNvSpPr>
+          <p:nvPr/>
+        </p:nvSpPr>
+        <p:spPr>
+          <a:xfrm>
+            <a:off x="-2" y="5161422"/>
+            <a:ext cx="9144001" cy="1696577"/>
+          </a:xfrm>
+          <a:prstGeom prst="rect">
+            <a:avLst/>
+          </a:prstGeom>
+          <a:noFill/>
+          <a:ln>
+            <a:noFill/>
+          </a:ln>
+        </p:spPr>
+        <p:style>
+          <a:lnRef idx="2">
+            <a:schemeClr val="dk1"/>
+          </a:lnRef>
+          <a:fillRef idx="1">
+            <a:schemeClr val="lt1"/>
+          </a:fillRef>
+          <a:effectRef idx="0">
+            <a:schemeClr val="dk1"/>
+          </a:effectRef>
+          <a:fontRef idx="minor">
+            <a:schemeClr val="dk1"/>
+          </a:fontRef>
+        </p:style>
+        <p:txBody>
+          <a:bodyPr vert="horz" lIns="91440" tIns="45720" rIns="91440" bIns="45720" rtlCol="0">
+            <a:normAutofit/>
+          </a:bodyPr>
+          <a:lstStyle>
+            <a:lvl1pPr marL="182880" indent="-182880" algn="l" defTabSz="914400" rtl="0" eaLnBrk="1" latinLnBrk="0" hangingPunct="1">
+              <a:spcBef>
+                <a:spcPct val="20000"/>
+              </a:spcBef>
+              <a:buClr>
+                <a:schemeClr val="accent1"/>
+              </a:buClr>
+              <a:buSzPct val="85000"/>
+              <a:buFont typeface="Arial" pitchFamily="34" charset="0"/>
+              <a:buChar char="•"/>
+              <a:defRPr sz="2400" kern="1200">
+                <a:solidFill>
+                  <a:schemeClr val="tx1"/>
+                </a:solidFill>
+                <a:latin typeface="+mn-lt"/>
+                <a:ea typeface="+mn-ea"/>
+                <a:cs typeface="+mn-cs"/>
+              </a:defRPr>
+            </a:lvl1pPr>
+            <a:lvl2pPr marL="457200" indent="-182880" algn="l" defTabSz="914400" rtl="0" eaLnBrk="1" latinLnBrk="0" hangingPunct="1">
+              <a:spcBef>
+                <a:spcPct val="20000"/>
+              </a:spcBef>
+              <a:buClr>
+                <a:schemeClr val="accent1"/>
+              </a:buClr>
+              <a:buSzPct val="85000"/>
+              <a:buFont typeface="Arial" pitchFamily="34" charset="0"/>
+              <a:buChar char="•"/>
+              <a:defRPr sz="2000" kern="1200">
+                <a:solidFill>
+                  <a:schemeClr val="tx1"/>
+                </a:solidFill>
+                <a:latin typeface="+mn-lt"/>
+                <a:ea typeface="+mn-ea"/>
+                <a:cs typeface="+mn-cs"/>
+              </a:defRPr>
+            </a:lvl2pPr>
+            <a:lvl3pPr marL="731520" indent="-182880" algn="l" defTabSz="914400" rtl="0" eaLnBrk="1" latinLnBrk="0" hangingPunct="1">
+              <a:spcBef>
+                <a:spcPct val="20000"/>
+              </a:spcBef>
+              <a:buClr>
+                <a:schemeClr val="accent1"/>
+              </a:buClr>
+              <a:buSzPct val="90000"/>
+              <a:buFont typeface="Arial" pitchFamily="34" charset="0"/>
+              <a:buChar char="•"/>
+              <a:defRPr sz="1800" kern="1200">
+                <a:solidFill>
+                  <a:schemeClr val="tx1"/>
+                </a:solidFill>
+                <a:latin typeface="+mn-lt"/>
+                <a:ea typeface="+mn-ea"/>
+                <a:cs typeface="+mn-cs"/>
+              </a:defRPr>
+            </a:lvl3pPr>
+            <a:lvl4pPr marL="1005840" indent="-182880" algn="l" defTabSz="914400" rtl="0" eaLnBrk="1" latinLnBrk="0" hangingPunct="1">
+              <a:spcBef>
+                <a:spcPct val="20000"/>
+              </a:spcBef>
+              <a:buClr>
+                <a:schemeClr val="accent1"/>
+              </a:buClr>
+              <a:buFont typeface="Arial" pitchFamily="34" charset="0"/>
+              <a:buChar char="•"/>
+              <a:defRPr sz="1600" kern="1200">
+                <a:solidFill>
+                  <a:schemeClr val="tx1"/>
+                </a:solidFill>
+                <a:latin typeface="+mn-lt"/>
+                <a:ea typeface="+mn-ea"/>
+                <a:cs typeface="+mn-cs"/>
+              </a:defRPr>
+            </a:lvl4pPr>
+            <a:lvl5pPr marL="1188720" indent="-137160" algn="l" defTabSz="914400" rtl="0" eaLnBrk="1" latinLnBrk="0" hangingPunct="1">
+              <a:spcBef>
+                <a:spcPct val="20000"/>
+              </a:spcBef>
+              <a:buClr>
+                <a:schemeClr val="accent1"/>
+              </a:buClr>
+              <a:buSzPct val="100000"/>
+              <a:buFont typeface="Arial" pitchFamily="34" charset="0"/>
+              <a:buChar char="•"/>
+              <a:defRPr sz="1400" kern="1200" baseline="0">
+                <a:solidFill>
+                  <a:schemeClr val="tx1"/>
+                </a:solidFill>
+                <a:latin typeface="+mn-lt"/>
+                <a:ea typeface="+mn-ea"/>
+                <a:cs typeface="+mn-cs"/>
+              </a:defRPr>
+            </a:lvl5pPr>
+            <a:lvl6pPr marL="1371600" indent="-182880" algn="l" defTabSz="914400" rtl="0" eaLnBrk="1" latinLnBrk="0" hangingPunct="1">
+              <a:spcBef>
+                <a:spcPct val="20000"/>
+              </a:spcBef>
+              <a:buClr>
+                <a:schemeClr val="accent1"/>
+              </a:buClr>
+              <a:buFont typeface="Arial" pitchFamily="34" charset="0"/>
+              <a:buChar char="•"/>
+              <a:defRPr sz="1300" kern="1200">
+                <a:solidFill>
+                  <a:schemeClr val="tx1"/>
+                </a:solidFill>
+                <a:latin typeface="+mn-lt"/>
+                <a:ea typeface="+mn-ea"/>
+                <a:cs typeface="+mn-cs"/>
+              </a:defRPr>
+            </a:lvl6pPr>
+            <a:lvl7pPr marL="1554480" indent="-182880" algn="l" defTabSz="914400" rtl="0" eaLnBrk="1" latinLnBrk="0" hangingPunct="1">
+              <a:spcBef>
+                <a:spcPct val="20000"/>
+              </a:spcBef>
+              <a:buClr>
+                <a:schemeClr val="accent1"/>
+              </a:buClr>
+              <a:buFont typeface="Arial" pitchFamily="34" charset="0"/>
+              <a:buChar char="•"/>
+              <a:defRPr sz="1300" kern="1200">
+                <a:solidFill>
+                  <a:schemeClr val="tx1"/>
+                </a:solidFill>
+                <a:latin typeface="+mn-lt"/>
+                <a:ea typeface="+mn-ea"/>
+                <a:cs typeface="+mn-cs"/>
+              </a:defRPr>
+            </a:lvl7pPr>
+            <a:lvl8pPr marL="1737360" indent="-182880" algn="l" defTabSz="914400" rtl="0" eaLnBrk="1" latinLnBrk="0" hangingPunct="1">
+              <a:spcBef>
+                <a:spcPct val="20000"/>
+              </a:spcBef>
+              <a:buClr>
+                <a:schemeClr val="accent1"/>
+              </a:buClr>
+              <a:buFont typeface="Arial" pitchFamily="34" charset="0"/>
+              <a:buChar char="•"/>
+              <a:defRPr sz="1300" kern="1200">
+                <a:solidFill>
+                  <a:schemeClr val="tx1"/>
+                </a:solidFill>
+                <a:latin typeface="+mn-lt"/>
+                <a:ea typeface="+mn-ea"/>
+                <a:cs typeface="+mn-cs"/>
+              </a:defRPr>
+            </a:lvl8pPr>
+            <a:lvl9pPr marL="1920240" indent="-182880" algn="l" defTabSz="914400" rtl="0" eaLnBrk="1" latinLnBrk="0" hangingPunct="1">
+              <a:spcBef>
+                <a:spcPct val="20000"/>
+              </a:spcBef>
+              <a:buClr>
+                <a:schemeClr val="accent1"/>
+              </a:buClr>
+              <a:buFont typeface="Arial" pitchFamily="34" charset="0"/>
+              <a:buChar char="•"/>
+              <a:defRPr sz="1300" kern="1200">
+                <a:solidFill>
+                  <a:schemeClr val="tx1"/>
+                </a:solidFill>
+                <a:latin typeface="+mn-lt"/>
+                <a:ea typeface="+mn-ea"/>
+                <a:cs typeface="+mn-cs"/>
+              </a:defRPr>
+            </a:lvl9pPr>
+          </a:lstStyle>
+          <a:p>
+            <a:pPr marL="0" indent="0">
+              <a:buNone/>
+            </a:pPr>
+            <a:r>
+              <a:rPr lang="en-US" sz="2000" b="1" dirty="0">
+                <a:latin typeface="Calibri"/>
+                <a:cs typeface="Calibri"/>
+              </a:rPr>
+              <a:t>Group: </a:t>
+            </a:r>
+            <a:r>
+              <a:rPr lang="en-US" sz="2000" dirty="0">
+                <a:latin typeface="Calibri"/>
+                <a:cs typeface="Calibri"/>
+              </a:rPr>
+              <a:t>10</a:t>
+            </a:r>
+          </a:p>
+          <a:p>
+            <a:pPr marL="0" indent="0">
+              <a:buNone/>
+            </a:pPr>
+            <a:r>
+              <a:rPr lang="en-US" sz="2000" b="1" dirty="0">
+                <a:latin typeface="Calibri"/>
+                <a:cs typeface="Calibri"/>
+              </a:rPr>
+              <a:t>Group Member:  </a:t>
+            </a:r>
+            <a:r>
+              <a:rPr lang="en-US" sz="2000" dirty="0">
+                <a:latin typeface="Calibri"/>
+                <a:cs typeface="Calibri"/>
+              </a:rPr>
+              <a:t>Leo Lam, </a:t>
+            </a:r>
+            <a:r>
+              <a:rPr lang="en-US" sz="2000" dirty="0" err="1">
+                <a:latin typeface="Calibri"/>
+                <a:cs typeface="Calibri"/>
+              </a:rPr>
               <a:t>Yuhan</a:t>
             </a:r>
             <a:r>
-              <a:rPr lang="en-US" dirty="0" smtClean="0"/>
+              <a:rPr lang="en-US" sz="2000" dirty="0">
+                <a:latin typeface="Calibri"/>
+                <a:cs typeface="Calibri"/>
+              </a:rPr>
               <a:t> </a:t>
             </a:r>
             <a:r>
-              <a:rPr lang="en-US" dirty="0" err="1" smtClean="0"/>
+              <a:rPr lang="en-US" sz="2000" dirty="0" err="1">
+                <a:latin typeface="Calibri"/>
+                <a:cs typeface="Calibri"/>
+              </a:rPr>
               <a:t>Zha</a:t>
             </a:r>
             <a:r>
-              <a:rPr lang="en-US" dirty="0" smtClean="0"/>
+              <a:rPr lang="en-US" sz="2000" dirty="0">
+                <a:latin typeface="Calibri"/>
+                <a:cs typeface="Calibri"/>
+              </a:rPr>
               <a:t>, </a:t>
             </a:r>
             <a:r>
-              <a:rPr lang="en-US" dirty="0" err="1" smtClean="0"/>
+              <a:rPr lang="en-US" sz="2000" dirty="0" err="1">
+                <a:latin typeface="Calibri"/>
+                <a:cs typeface="Calibri"/>
+              </a:rPr>
               <a:t>Yanjun</a:t>
             </a:r>
             <a:r>
-              <a:rPr lang="en-US" dirty="0" smtClean="0"/>
-              <a:t> Lin, 		    Yang </a:t>
-            </a:r>
-            <a:r>
-              <a:rPr lang="en-US" dirty="0" err="1" smtClean="0"/>
+              <a:rPr lang="en-US" sz="2000" dirty="0">
+                <a:latin typeface="Calibri"/>
+                <a:cs typeface="Calibri"/>
+              </a:rPr>
+              <a:t> Lin, Yang </a:t>
+            </a:r>
+            <a:r>
+              <a:rPr lang="en-US" sz="2000" dirty="0" err="1">
+                <a:latin typeface="Calibri"/>
+                <a:cs typeface="Calibri"/>
+              </a:rPr>
               <a:t>Lyu</a:t>
             </a:r>
             <a:r>
-              <a:rPr lang="en-US" dirty="0" smtClean="0"/>
-              <a:t>, Ziyu Chen</a:t>
-            </a:r>
-          </a:p>
-          <a:p>
-            <a:r>
-              <a:rPr lang="en-US" dirty="0" smtClean="0"/>
-              <a:t>Presenter: Ziyu Chen</a:t>
-            </a:r>
-            <a:endParaRPr lang="en-US" dirty="0"/>
+              <a:rPr lang="en-US" sz="2000" dirty="0">
+                <a:latin typeface="Calibri"/>
+                <a:cs typeface="Calibri"/>
+              </a:rPr>
+              <a:t>, </a:t>
+            </a:r>
+            <a:r>
+              <a:rPr lang="en-US" sz="2000" dirty="0" err="1">
+                <a:latin typeface="Calibri"/>
+                <a:cs typeface="Calibri"/>
+              </a:rPr>
+              <a:t>Ziyu</a:t>
+            </a:r>
+            <a:r>
+              <a:rPr lang="en-US" sz="2000" dirty="0">
+                <a:latin typeface="Calibri"/>
+                <a:cs typeface="Calibri"/>
+              </a:rPr>
+              <a:t> Chen</a:t>
+            </a:r>
+          </a:p>
+          <a:p>
+            <a:pPr marL="0" indent="0">
+              <a:buNone/>
+            </a:pPr>
+            <a:r>
+              <a:rPr lang="en-US" sz="2000" b="1" dirty="0">
+                <a:latin typeface="Calibri"/>
+                <a:cs typeface="Calibri"/>
+              </a:rPr>
+              <a:t>Presenter:  </a:t>
+            </a:r>
+            <a:r>
+              <a:rPr lang="en-US" sz="2000" dirty="0" err="1">
+                <a:latin typeface="Calibri"/>
+                <a:cs typeface="Calibri"/>
+              </a:rPr>
+              <a:t>Ziyu</a:t>
+            </a:r>
+            <a:r>
+              <a:rPr lang="en-US" sz="2000" dirty="0">
+                <a:latin typeface="Calibri"/>
+                <a:cs typeface="Calibri"/>
+              </a:rPr>
+              <a:t> Chen</a:t>
+            </a:r>
+          </a:p>
+          <a:p>
+            <a:pPr marL="0" indent="0">
+              <a:buNone/>
+            </a:pPr>
+            <a:r>
+              <a:rPr lang="en-US" sz="2000" b="1" dirty="0">
+                <a:latin typeface="Calibri"/>
+                <a:cs typeface="Calibri"/>
+              </a:rPr>
+              <a:t>Date: </a:t>
+            </a:r>
+            <a:r>
+              <a:rPr lang="en-US" sz="2000" dirty="0">
+                <a:latin typeface="Calibri"/>
+                <a:cs typeface="Calibri"/>
+              </a:rPr>
+              <a:t>2/21/2018</a:t>
+            </a:r>
+          </a:p>
+          <a:p>
+            <a:pPr marL="0" indent="0">
+              <a:buNone/>
+            </a:pPr>
+            <a:endParaRPr lang="en-US" b="1" dirty="0">
+              <a:latin typeface="Calibri"/>
+              <a:cs typeface="Calibri"/>
+            </a:endParaRPr>
           </a:p>
         </p:txBody>
       </p:sp>
     </p:spTree>
     <p:extLst>
       <p:ext uri="{BB962C8B-B14F-4D97-AF65-F5344CB8AC3E}">
-        <p14:creationId xmlns:p14="http://schemas.microsoft.com/office/powerpoint/2010/main" val="2121289406"/>
+        <p14:creationId xmlns:p14="http://schemas.microsoft.com/office/powerpoint/2010/main" val="717023157"/>
       </p:ext>
     </p:extLst>
   </p:cSld>
   <p:clrMapOvr>
     <a:masterClrMapping/>
   </p:clrMapOvr>
-  <p:timing>
-    <p:tnLst>
-      <p:par>
-        <p:cTn xmlns:p14="http://schemas.microsoft.com/office/powerpoint/2010/main" id="1" dur="indefinite" restart="never" nodeType="tmRoot"/>
-      </p:par>
-    </p:tnLst>
-  </p:timing>
 </p:sld>
 </file>
 
@@ -3995,10 +4285,9 @@
           <a:lstStyle/>
           <a:p>
             <a:r>
-              <a:rPr lang="en-US" dirty="0" smtClean="0"/>
+              <a:rPr lang="en-US" dirty="0"/>
               <a:t>Business Values</a:t>
             </a:r>
-            <a:endParaRPr lang="en-US" dirty="0"/>
           </a:p>
         </p:txBody>
       </p:sp>
@@ -4051,14 +4340,14 @@
             <a:pPr marL="0" indent="0">
               <a:buNone/>
             </a:pPr>
-            <a:endParaRPr lang="en-US" sz="2800" dirty="0" smtClean="0">
+            <a:endParaRPr lang="en-US" sz="2800" dirty="0">
               <a:latin typeface="Times New Roman"/>
               <a:cs typeface="Times New Roman"/>
             </a:endParaRPr>
           </a:p>
           <a:p>
             <a:r>
-              <a:rPr lang="en-US" sz="2800" dirty="0" smtClean="0">
+              <a:rPr lang="en-US" sz="2800" dirty="0">
                 <a:latin typeface="Times New Roman"/>
                 <a:cs typeface="Times New Roman"/>
               </a:rPr>
@@ -4068,28 +4357,28 @@
           <a:p>
             <a:pPr lvl="1"/>
             <a:r>
-              <a:rPr lang="en-US" dirty="0" err="1" smtClean="0">
+              <a:rPr lang="en-US" dirty="0" err="1">
                 <a:latin typeface="Times New Roman"/>
                 <a:cs typeface="Times New Roman"/>
               </a:rPr>
               <a:t>i.e</a:t>
             </a:r>
             <a:r>
-              <a:rPr lang="en-US" dirty="0" smtClean="0">
+              <a:rPr lang="en-US" dirty="0">
                 <a:latin typeface="Times New Roman"/>
                 <a:cs typeface="Times New Roman"/>
               </a:rPr>
               <a:t>: New Oriental Education &amp; Technology Group (</a:t>
             </a:r>
             <a:r>
-              <a:rPr lang="en-US" dirty="0" err="1" smtClean="0">
+              <a:rPr lang="en-US" dirty="0" err="1">
                 <a:latin typeface="Times New Roman"/>
                 <a:cs typeface="Times New Roman"/>
               </a:rPr>
               <a:t>Xindongfang</a:t>
             </a:r>
             <a:r>
-              <a:rPr lang="en-US" dirty="0" smtClean="0">
+              <a:rPr lang="en-US" dirty="0">
                 <a:latin typeface="Times New Roman"/>
                 <a:cs typeface="Times New Roman"/>
               </a:rPr>
@@ -4099,7 +4388,7 @@
           <a:p>
             <a:pPr lvl="1"/>
             <a:r>
-              <a:rPr lang="en-US" dirty="0" smtClean="0">
+              <a:rPr lang="en-US" dirty="0">
                 <a:latin typeface="Times New Roman"/>
                 <a:cs typeface="Times New Roman"/>
               </a:rPr>
@@ -4115,7 +4404,7 @@
           </a:p>
           <a:p>
             <a:r>
-              <a:rPr lang="en-US" sz="2800" dirty="0" smtClean="0">
+              <a:rPr lang="en-US" sz="2800" dirty="0">
                 <a:latin typeface="Times New Roman"/>
                 <a:cs typeface="Times New Roman"/>
               </a:rPr>
@@ -4125,7 +4414,7 @@
           <a:p>
             <a:pPr lvl="1"/>
             <a:r>
-              <a:rPr lang="en-US" dirty="0" smtClean="0">
+              <a:rPr lang="en-US" dirty="0">
                 <a:latin typeface="Times New Roman"/>
                 <a:cs typeface="Times New Roman"/>
               </a:rPr>
@@ -4135,21 +4424,21 @@
           <a:p>
             <a:pPr lvl="1"/>
             <a:r>
-              <a:rPr lang="en-US" dirty="0" smtClean="0">
+              <a:rPr lang="en-US" dirty="0">
                 <a:latin typeface="Times New Roman"/>
                 <a:cs typeface="Times New Roman"/>
               </a:rPr>
               <a:t>Advertise the program (or sometimes otherwise</a:t>
             </a:r>
             <a:r>
-              <a:rPr lang="mr-IN" dirty="0" smtClean="0">
+              <a:rPr lang="mr-IN" dirty="0">
                 <a:latin typeface="Times New Roman"/>
                 <a:cs typeface="Times New Roman"/>
               </a:rPr>
               <a:t>…</a:t>
             </a:r>
             <a:r>
-              <a:rPr lang="en-US" dirty="0" smtClean="0">
+              <a:rPr lang="en-US" dirty="0">
                 <a:latin typeface="Times New Roman"/>
                 <a:cs typeface="Times New Roman"/>
               </a:rPr>
@@ -4159,7 +4448,7 @@
           <a:p>
             <a:pPr lvl="1"/>
             <a:r>
-              <a:rPr lang="en-US" dirty="0" smtClean="0">
+              <a:rPr lang="en-US" dirty="0">
                 <a:latin typeface="Times New Roman"/>
                 <a:cs typeface="Times New Roman"/>
               </a:rPr>
@@ -4194,13 +4483,6 @@
   <p:clrMapOvr>
     <a:masterClrMapping/>
   </p:clrMapOvr>
-  <p:timing>
-    <p:tnLst>
-      <p:par>
-        <p:cTn xmlns:p14="http://schemas.microsoft.com/office/powerpoint/2010/main" id="1" dur="indefinite" restart="never" nodeType="tmRoot"/>
-      </p:par>
-    </p:tnLst>
-  </p:timing>
 </p:sld>
 </file>
 
@@ -4237,10 +4519,9 @@
           <a:lstStyle/>
           <a:p>
             <a:r>
-              <a:rPr lang="en-US" dirty="0" smtClean="0"/>
+              <a:rPr lang="en-US" dirty="0"/>
               <a:t>Data Sources</a:t>
             </a:r>
-            <a:endParaRPr lang="en-US" dirty="0"/>
           </a:p>
         </p:txBody>
       </p:sp>
@@ -4287,49 +4568,29 @@
             <a:pPr lvl="1"/>
             <a:r>
               <a:rPr lang="en-US" dirty="0"/>
-              <a:t>Include data on alumni who were </a:t>
-            </a:r>
-            <a:r>
-              <a:rPr lang="en-US" dirty="0" smtClean="0"/>
-              <a:t>in MA </a:t>
-            </a:r>
+              <a:t>Include data on alumni who were in MA statistics program, MS computer science program and etc.</a:t>
+            </a:r>
+          </a:p>
+          <a:p>
+            <a:endParaRPr lang="en-US" dirty="0"/>
+          </a:p>
+          <a:p>
             <a:r>
               <a:rPr lang="en-US" dirty="0"/>
-              <a:t>statistics program, MS computer science program and etc.</a:t>
-            </a:r>
-          </a:p>
-          <a:p>
-            <a:endParaRPr lang="en-US" dirty="0" smtClean="0"/>
-          </a:p>
-          <a:p>
-            <a:r>
-              <a:rPr lang="en-US" dirty="0" smtClean="0"/>
-              <a:t>Unemployment Rate </a:t>
-            </a:r>
+              <a:t>Unemployment Rate Data </a:t>
+            </a:r>
+          </a:p>
+          <a:p>
+            <a:pPr lvl="1"/>
             <a:r>
               <a:rPr lang="en-US" dirty="0"/>
-              <a:t>D</a:t>
-            </a:r>
-            <a:r>
-              <a:rPr lang="en-US" dirty="0" smtClean="0"/>
-              <a:t>ata </a:t>
-            </a:r>
-          </a:p>
-          <a:p>
-            <a:pPr lvl="1"/>
-            <a:r>
-              <a:rPr lang="en-US" dirty="0"/>
-              <a:t>F</a:t>
-            </a:r>
-            <a:r>
-              <a:rPr lang="en-US" dirty="0" smtClean="0"/>
-              <a:t>rom </a:t>
-            </a:r>
-            <a:r>
-              <a:rPr lang="en-US" dirty="0" err="1" smtClean="0"/>
+              <a:t>From </a:t>
+            </a:r>
+            <a:r>
+              <a:rPr lang="en-US" dirty="0" err="1"/>
               <a:t>data.gov</a:t>
             </a:r>
-            <a:endParaRPr lang="en-US" dirty="0" smtClean="0"/>
+            <a:endParaRPr lang="en-US" dirty="0"/>
           </a:p>
           <a:p>
             <a:pPr lvl="1"/>
@@ -4337,14 +4598,14 @@
           </a:p>
           <a:p>
             <a:r>
-              <a:rPr lang="en-US" dirty="0" smtClean="0"/>
+              <a:rPr lang="en-US" dirty="0"/>
               <a:t>Average Income Data</a:t>
             </a:r>
           </a:p>
           <a:p>
             <a:pPr lvl="1"/>
             <a:r>
-              <a:rPr lang="en-US" dirty="0" smtClean="0"/>
+              <a:rPr lang="en-US" dirty="0"/>
               <a:t>From the official website of Bureau of Labor Statistics</a:t>
             </a:r>
           </a:p>
@@ -4364,13 +4625,6 @@
   <p:clrMapOvr>
     <a:masterClrMapping/>
   </p:clrMapOvr>
-  <p:timing>
-    <p:tnLst>
-      <p:par>
-        <p:cTn xmlns:p14="http://schemas.microsoft.com/office/powerpoint/2010/main" id="1" dur="indefinite" restart="never" nodeType="tmRoot"/>
-      </p:par>
-    </p:tnLst>
-  </p:timing>
 </p:sld>
 </file>
 
@@ -4413,7 +4667,7 @@
           <a:p>
             <a:pPr algn="ctr"/>
             <a:r>
-              <a:rPr lang="en-US" sz="8000" i="1" dirty="0" smtClean="0">
+              <a:rPr lang="en-US" sz="8000" i="1" dirty="0">
                 <a:hlinkClick r:id="rId2"/>
               </a:rPr>
               <a:t>Demo</a:t>
@@ -4432,13 +4686,6 @@
   <p:clrMapOvr>
     <a:masterClrMapping/>
   </p:clrMapOvr>
-  <p:timing>
-    <p:tnLst>
-      <p:par>
-        <p:cTn xmlns:p14="http://schemas.microsoft.com/office/powerpoint/2010/main" id="1" dur="indefinite" restart="never" nodeType="tmRoot"/>
-      </p:par>
-    </p:tnLst>
-  </p:timing>
 </p:sld>
 </file>
 
